--- a/2차발표/2DGP - 2차발표_ppt.pptx
+++ b/2차발표/2DGP - 2차발표_ppt.pptx
@@ -109,6 +109,11 @@
       </a:defRPr>
     </a:lvl9pPr>
   </p:defaultTextStyle>
+  <p:extLst>
+    <p:ext uri="{EFAFB233-063F-42B5-8137-9DF3F51BA10A}">
+      <p15:sldGuideLst xmlns:p15="http://schemas.microsoft.com/office/powerpoint/2012/main"/>
+    </p:ext>
+  </p:extLst>
 </p:presentation>
 </file>
 
@@ -1179,7 +1184,7 @@
           <a:p>
             <a:fld id="{C38EB2AB-E39B-40F7-828E-842E840D06CB}" type="datetimeFigureOut">
               <a:rPr lang="ko-KR" altLang="en-US" smtClean="0"/>
-              <a:t>2019-10-31</a:t>
+              <a:t>2019-11-25</a:t>
             </a:fld>
             <a:endParaRPr lang="ko-KR" altLang="en-US"/>
           </a:p>
@@ -1377,7 +1382,7 @@
           <a:p>
             <a:fld id="{C38EB2AB-E39B-40F7-828E-842E840D06CB}" type="datetimeFigureOut">
               <a:rPr lang="ko-KR" altLang="en-US" smtClean="0"/>
-              <a:t>2019-10-31</a:t>
+              <a:t>2019-11-25</a:t>
             </a:fld>
             <a:endParaRPr lang="ko-KR" altLang="en-US"/>
           </a:p>
@@ -1585,7 +1590,7 @@
           <a:p>
             <a:fld id="{C38EB2AB-E39B-40F7-828E-842E840D06CB}" type="datetimeFigureOut">
               <a:rPr lang="ko-KR" altLang="en-US" smtClean="0"/>
-              <a:t>2019-10-31</a:t>
+              <a:t>2019-11-25</a:t>
             </a:fld>
             <a:endParaRPr lang="ko-KR" altLang="en-US"/>
           </a:p>
@@ -1783,7 +1788,7 @@
           <a:p>
             <a:fld id="{C38EB2AB-E39B-40F7-828E-842E840D06CB}" type="datetimeFigureOut">
               <a:rPr lang="ko-KR" altLang="en-US" smtClean="0"/>
-              <a:t>2019-10-31</a:t>
+              <a:t>2019-11-25</a:t>
             </a:fld>
             <a:endParaRPr lang="ko-KR" altLang="en-US"/>
           </a:p>
@@ -2058,7 +2063,7 @@
           <a:p>
             <a:fld id="{C38EB2AB-E39B-40F7-828E-842E840D06CB}" type="datetimeFigureOut">
               <a:rPr lang="ko-KR" altLang="en-US" smtClean="0"/>
-              <a:t>2019-10-31</a:t>
+              <a:t>2019-11-25</a:t>
             </a:fld>
             <a:endParaRPr lang="ko-KR" altLang="en-US"/>
           </a:p>
@@ -2323,7 +2328,7 @@
           <a:p>
             <a:fld id="{C38EB2AB-E39B-40F7-828E-842E840D06CB}" type="datetimeFigureOut">
               <a:rPr lang="ko-KR" altLang="en-US" smtClean="0"/>
-              <a:t>2019-10-31</a:t>
+              <a:t>2019-11-25</a:t>
             </a:fld>
             <a:endParaRPr lang="ko-KR" altLang="en-US"/>
           </a:p>
@@ -2735,7 +2740,7 @@
           <a:p>
             <a:fld id="{C38EB2AB-E39B-40F7-828E-842E840D06CB}" type="datetimeFigureOut">
               <a:rPr lang="ko-KR" altLang="en-US" smtClean="0"/>
-              <a:t>2019-10-31</a:t>
+              <a:t>2019-11-25</a:t>
             </a:fld>
             <a:endParaRPr lang="ko-KR" altLang="en-US"/>
           </a:p>
@@ -2876,7 +2881,7 @@
           <a:p>
             <a:fld id="{C38EB2AB-E39B-40F7-828E-842E840D06CB}" type="datetimeFigureOut">
               <a:rPr lang="ko-KR" altLang="en-US" smtClean="0"/>
-              <a:t>2019-10-31</a:t>
+              <a:t>2019-11-25</a:t>
             </a:fld>
             <a:endParaRPr lang="ko-KR" altLang="en-US"/>
           </a:p>
@@ -2989,7 +2994,7 @@
           <a:p>
             <a:fld id="{C38EB2AB-E39B-40F7-828E-842E840D06CB}" type="datetimeFigureOut">
               <a:rPr lang="ko-KR" altLang="en-US" smtClean="0"/>
-              <a:t>2019-10-31</a:t>
+              <a:t>2019-11-25</a:t>
             </a:fld>
             <a:endParaRPr lang="ko-KR" altLang="en-US"/>
           </a:p>
@@ -3300,7 +3305,7 @@
           <a:p>
             <a:fld id="{C38EB2AB-E39B-40F7-828E-842E840D06CB}" type="datetimeFigureOut">
               <a:rPr lang="ko-KR" altLang="en-US" smtClean="0"/>
-              <a:t>2019-10-31</a:t>
+              <a:t>2019-11-25</a:t>
             </a:fld>
             <a:endParaRPr lang="ko-KR" altLang="en-US"/>
           </a:p>
@@ -3588,7 +3593,7 @@
           <a:p>
             <a:fld id="{C38EB2AB-E39B-40F7-828E-842E840D06CB}" type="datetimeFigureOut">
               <a:rPr lang="ko-KR" altLang="en-US" smtClean="0"/>
-              <a:t>2019-10-31</a:t>
+              <a:t>2019-11-25</a:t>
             </a:fld>
             <a:endParaRPr lang="ko-KR" altLang="en-US"/>
           </a:p>
@@ -3829,7 +3834,7 @@
           <a:p>
             <a:fld id="{C38EB2AB-E39B-40F7-828E-842E840D06CB}" type="datetimeFigureOut">
               <a:rPr lang="ko-KR" altLang="en-US" smtClean="0"/>
-              <a:t>2019-10-31</a:t>
+              <a:t>2019-11-25</a:t>
             </a:fld>
             <a:endParaRPr lang="ko-KR" altLang="en-US"/>
           </a:p>

--- a/2차발표/2DGP - 2차발표_ppt.pptx
+++ b/2차발표/2DGP - 2차발표_ppt.pptx
@@ -1184,7 +1184,7 @@
           <a:p>
             <a:fld id="{C38EB2AB-E39B-40F7-828E-842E840D06CB}" type="datetimeFigureOut">
               <a:rPr lang="ko-KR" altLang="en-US" smtClean="0"/>
-              <a:t>2019-11-25</a:t>
+              <a:t>2019-11-26</a:t>
             </a:fld>
             <a:endParaRPr lang="ko-KR" altLang="en-US"/>
           </a:p>
@@ -1382,7 +1382,7 @@
           <a:p>
             <a:fld id="{C38EB2AB-E39B-40F7-828E-842E840D06CB}" type="datetimeFigureOut">
               <a:rPr lang="ko-KR" altLang="en-US" smtClean="0"/>
-              <a:t>2019-11-25</a:t>
+              <a:t>2019-11-26</a:t>
             </a:fld>
             <a:endParaRPr lang="ko-KR" altLang="en-US"/>
           </a:p>
@@ -1590,7 +1590,7 @@
           <a:p>
             <a:fld id="{C38EB2AB-E39B-40F7-828E-842E840D06CB}" type="datetimeFigureOut">
               <a:rPr lang="ko-KR" altLang="en-US" smtClean="0"/>
-              <a:t>2019-11-25</a:t>
+              <a:t>2019-11-26</a:t>
             </a:fld>
             <a:endParaRPr lang="ko-KR" altLang="en-US"/>
           </a:p>
@@ -1788,7 +1788,7 @@
           <a:p>
             <a:fld id="{C38EB2AB-E39B-40F7-828E-842E840D06CB}" type="datetimeFigureOut">
               <a:rPr lang="ko-KR" altLang="en-US" smtClean="0"/>
-              <a:t>2019-11-25</a:t>
+              <a:t>2019-11-26</a:t>
             </a:fld>
             <a:endParaRPr lang="ko-KR" altLang="en-US"/>
           </a:p>
@@ -2063,7 +2063,7 @@
           <a:p>
             <a:fld id="{C38EB2AB-E39B-40F7-828E-842E840D06CB}" type="datetimeFigureOut">
               <a:rPr lang="ko-KR" altLang="en-US" smtClean="0"/>
-              <a:t>2019-11-25</a:t>
+              <a:t>2019-11-26</a:t>
             </a:fld>
             <a:endParaRPr lang="ko-KR" altLang="en-US"/>
           </a:p>
@@ -2328,7 +2328,7 @@
           <a:p>
             <a:fld id="{C38EB2AB-E39B-40F7-828E-842E840D06CB}" type="datetimeFigureOut">
               <a:rPr lang="ko-KR" altLang="en-US" smtClean="0"/>
-              <a:t>2019-11-25</a:t>
+              <a:t>2019-11-26</a:t>
             </a:fld>
             <a:endParaRPr lang="ko-KR" altLang="en-US"/>
           </a:p>
@@ -2740,7 +2740,7 @@
           <a:p>
             <a:fld id="{C38EB2AB-E39B-40F7-828E-842E840D06CB}" type="datetimeFigureOut">
               <a:rPr lang="ko-KR" altLang="en-US" smtClean="0"/>
-              <a:t>2019-11-25</a:t>
+              <a:t>2019-11-26</a:t>
             </a:fld>
             <a:endParaRPr lang="ko-KR" altLang="en-US"/>
           </a:p>
@@ -2881,7 +2881,7 @@
           <a:p>
             <a:fld id="{C38EB2AB-E39B-40F7-828E-842E840D06CB}" type="datetimeFigureOut">
               <a:rPr lang="ko-KR" altLang="en-US" smtClean="0"/>
-              <a:t>2019-11-25</a:t>
+              <a:t>2019-11-26</a:t>
             </a:fld>
             <a:endParaRPr lang="ko-KR" altLang="en-US"/>
           </a:p>
@@ -2994,7 +2994,7 @@
           <a:p>
             <a:fld id="{C38EB2AB-E39B-40F7-828E-842E840D06CB}" type="datetimeFigureOut">
               <a:rPr lang="ko-KR" altLang="en-US" smtClean="0"/>
-              <a:t>2019-11-25</a:t>
+              <a:t>2019-11-26</a:t>
             </a:fld>
             <a:endParaRPr lang="ko-KR" altLang="en-US"/>
           </a:p>
@@ -3305,7 +3305,7 @@
           <a:p>
             <a:fld id="{C38EB2AB-E39B-40F7-828E-842E840D06CB}" type="datetimeFigureOut">
               <a:rPr lang="ko-KR" altLang="en-US" smtClean="0"/>
-              <a:t>2019-11-25</a:t>
+              <a:t>2019-11-26</a:t>
             </a:fld>
             <a:endParaRPr lang="ko-KR" altLang="en-US"/>
           </a:p>
@@ -3593,7 +3593,7 @@
           <a:p>
             <a:fld id="{C38EB2AB-E39B-40F7-828E-842E840D06CB}" type="datetimeFigureOut">
               <a:rPr lang="ko-KR" altLang="en-US" smtClean="0"/>
-              <a:t>2019-11-25</a:t>
+              <a:t>2019-11-26</a:t>
             </a:fld>
             <a:endParaRPr lang="ko-KR" altLang="en-US"/>
           </a:p>
@@ -3834,7 +3834,7 @@
           <a:p>
             <a:fld id="{C38EB2AB-E39B-40F7-828E-842E840D06CB}" type="datetimeFigureOut">
               <a:rPr lang="ko-KR" altLang="en-US" smtClean="0"/>
-              <a:t>2019-11-25</a:t>
+              <a:t>2019-11-26</a:t>
             </a:fld>
             <a:endParaRPr lang="ko-KR" altLang="en-US"/>
           </a:p>
